--- a/reference_content/Slides/Bayes_NLP2.pptx
+++ b/reference_content/Slides/Bayes_NLP2.pptx
@@ -4725,16 +4725,8 @@
           <a:p>
             <a:pPr lvl="1"/>
             <a:r>
-              <a:rPr lang="en-US"/>
-              <a:t>NNs </a:t>
-            </a:r>
-            <a:r>
               <a:rPr lang="en-US" dirty="0"/>
-              <a:t>“suit” the challenge of extracting patterns from </a:t>
-            </a:r>
-            <a:r>
-              <a:rPr lang="en-US"/>
-              <a:t>large datasets. </a:t>
+              <a:t>NNs “suit” the challenge of extracting patterns from large datasets. </a:t>
             </a:r>
           </a:p>
         </p:txBody>
